--- a/김태민/김태민/프로젝트 UI.pptx
+++ b/김태민/김태민/프로젝트 UI.pptx
@@ -22,6 +22,7 @@
     <p:sldId id="269" r:id="rId16"/>
     <p:sldId id="271" r:id="rId17"/>
     <p:sldId id="272" r:id="rId18"/>
+    <p:sldId id="273" r:id="rId19"/>
   </p:sldIdLst>
   <p:sldSz cx="12192000" cy="6858000"/>
   <p:notesSz cx="6858000" cy="9144000"/>
@@ -259,7 +260,7 @@
           <a:p>
             <a:fld id="{F0E7B708-8D72-4D20-B763-42FE681C87D1}" type="datetimeFigureOut">
               <a:rPr lang="ko-KR" altLang="en-US" smtClean="0"/>
-              <a:t>2021-09-30</a:t>
+              <a:t>2021-10-01</a:t>
             </a:fld>
             <a:endParaRPr lang="ko-KR" altLang="en-US"/>
           </a:p>
@@ -429,7 +430,7 @@
           <a:p>
             <a:fld id="{F0E7B708-8D72-4D20-B763-42FE681C87D1}" type="datetimeFigureOut">
               <a:rPr lang="ko-KR" altLang="en-US" smtClean="0"/>
-              <a:t>2021-09-30</a:t>
+              <a:t>2021-10-01</a:t>
             </a:fld>
             <a:endParaRPr lang="ko-KR" altLang="en-US"/>
           </a:p>
@@ -609,7 +610,7 @@
           <a:p>
             <a:fld id="{F0E7B708-8D72-4D20-B763-42FE681C87D1}" type="datetimeFigureOut">
               <a:rPr lang="ko-KR" altLang="en-US" smtClean="0"/>
-              <a:t>2021-09-30</a:t>
+              <a:t>2021-10-01</a:t>
             </a:fld>
             <a:endParaRPr lang="ko-KR" altLang="en-US"/>
           </a:p>
@@ -779,7 +780,7 @@
           <a:p>
             <a:fld id="{F0E7B708-8D72-4D20-B763-42FE681C87D1}" type="datetimeFigureOut">
               <a:rPr lang="ko-KR" altLang="en-US" smtClean="0"/>
-              <a:t>2021-09-30</a:t>
+              <a:t>2021-10-01</a:t>
             </a:fld>
             <a:endParaRPr lang="ko-KR" altLang="en-US"/>
           </a:p>
@@ -1025,7 +1026,7 @@
           <a:p>
             <a:fld id="{F0E7B708-8D72-4D20-B763-42FE681C87D1}" type="datetimeFigureOut">
               <a:rPr lang="ko-KR" altLang="en-US" smtClean="0"/>
-              <a:t>2021-09-30</a:t>
+              <a:t>2021-10-01</a:t>
             </a:fld>
             <a:endParaRPr lang="ko-KR" altLang="en-US"/>
           </a:p>
@@ -1257,7 +1258,7 @@
           <a:p>
             <a:fld id="{F0E7B708-8D72-4D20-B763-42FE681C87D1}" type="datetimeFigureOut">
               <a:rPr lang="ko-KR" altLang="en-US" smtClean="0"/>
-              <a:t>2021-09-30</a:t>
+              <a:t>2021-10-01</a:t>
             </a:fld>
             <a:endParaRPr lang="ko-KR" altLang="en-US"/>
           </a:p>
@@ -1624,7 +1625,7 @@
           <a:p>
             <a:fld id="{F0E7B708-8D72-4D20-B763-42FE681C87D1}" type="datetimeFigureOut">
               <a:rPr lang="ko-KR" altLang="en-US" smtClean="0"/>
-              <a:t>2021-09-30</a:t>
+              <a:t>2021-10-01</a:t>
             </a:fld>
             <a:endParaRPr lang="ko-KR" altLang="en-US"/>
           </a:p>
@@ -1742,7 +1743,7 @@
           <a:p>
             <a:fld id="{F0E7B708-8D72-4D20-B763-42FE681C87D1}" type="datetimeFigureOut">
               <a:rPr lang="ko-KR" altLang="en-US" smtClean="0"/>
-              <a:t>2021-09-30</a:t>
+              <a:t>2021-10-01</a:t>
             </a:fld>
             <a:endParaRPr lang="ko-KR" altLang="en-US"/>
           </a:p>
@@ -1837,7 +1838,7 @@
           <a:p>
             <a:fld id="{F0E7B708-8D72-4D20-B763-42FE681C87D1}" type="datetimeFigureOut">
               <a:rPr lang="ko-KR" altLang="en-US" smtClean="0"/>
-              <a:t>2021-09-30</a:t>
+              <a:t>2021-10-01</a:t>
             </a:fld>
             <a:endParaRPr lang="ko-KR" altLang="en-US"/>
           </a:p>
@@ -2114,7 +2115,7 @@
           <a:p>
             <a:fld id="{F0E7B708-8D72-4D20-B763-42FE681C87D1}" type="datetimeFigureOut">
               <a:rPr lang="ko-KR" altLang="en-US" smtClean="0"/>
-              <a:t>2021-09-30</a:t>
+              <a:t>2021-10-01</a:t>
             </a:fld>
             <a:endParaRPr lang="ko-KR" altLang="en-US"/>
           </a:p>
@@ -2367,7 +2368,7 @@
           <a:p>
             <a:fld id="{F0E7B708-8D72-4D20-B763-42FE681C87D1}" type="datetimeFigureOut">
               <a:rPr lang="ko-KR" altLang="en-US" smtClean="0"/>
-              <a:t>2021-09-30</a:t>
+              <a:t>2021-10-01</a:t>
             </a:fld>
             <a:endParaRPr lang="ko-KR" altLang="en-US"/>
           </a:p>
@@ -2580,7 +2581,7 @@
           <a:p>
             <a:fld id="{F0E7B708-8D72-4D20-B763-42FE681C87D1}" type="datetimeFigureOut">
               <a:rPr lang="ko-KR" altLang="en-US" smtClean="0"/>
-              <a:t>2021-09-30</a:t>
+              <a:t>2021-10-01</a:t>
             </a:fld>
             <a:endParaRPr lang="ko-KR" altLang="en-US"/>
           </a:p>
@@ -4915,15 +4916,7 @@
           <a:p>
             <a:r>
               <a:rPr lang="ko-KR" altLang="en-US" dirty="0" smtClean="0"/>
-              <a:t>가이드</a:t>
-            </a:r>
-            <a:r>
-              <a:rPr lang="ko-KR" altLang="en-US" dirty="0" smtClean="0"/>
-              <a:t> </a:t>
-            </a:r>
-            <a:r>
-              <a:rPr lang="ko-KR" altLang="en-US" dirty="0" smtClean="0"/>
-              <a:t>페이지</a:t>
+              <a:t>가이드 페이지</a:t>
             </a:r>
             <a:endParaRPr lang="ko-KR" altLang="en-US" dirty="0"/>
           </a:p>
@@ -5031,6 +5024,13 @@
   <p:clrMapOvr>
     <a:masterClrMapping/>
   </p:clrMapOvr>
+  <p:timing>
+    <p:tnLst>
+      <p:par>
+        <p:cTn id="1" dur="indefinite" restart="never" nodeType="tmRoot"/>
+      </p:par>
+    </p:tnLst>
+  </p:timing>
 </p:sld>
 </file>
 
@@ -6358,6 +6358,13 @@
   <p:clrMapOvr>
     <a:masterClrMapping/>
   </p:clrMapOvr>
+  <p:timing>
+    <p:tnLst>
+      <p:par>
+        <p:cTn id="1" dur="indefinite" restart="never" nodeType="tmRoot"/>
+      </p:par>
+    </p:tnLst>
+  </p:timing>
 </p:sld>
 </file>
 
@@ -7111,6 +7118,13 @@
   <p:clrMapOvr>
     <a:masterClrMapping/>
   </p:clrMapOvr>
+  <p:timing>
+    <p:tnLst>
+      <p:par>
+        <p:cTn id="1" dur="indefinite" restart="never" nodeType="tmRoot"/>
+      </p:par>
+    </p:tnLst>
+  </p:timing>
 </p:sld>
 </file>
 
@@ -8015,6 +8029,74 @@
           </a:p>
         </p:txBody>
       </p:sp>
+      <p:sp>
+        <p:nvSpPr>
+          <p:cNvPr id="6" name="TextBox 5"/>
+          <p:cNvSpPr txBox="1"/>
+          <p:nvPr/>
+        </p:nvSpPr>
+        <p:spPr>
+          <a:xfrm>
+            <a:off x="3708602" y="4394710"/>
+            <a:ext cx="3199915" cy="369332"/>
+          </a:xfrm>
+          <a:prstGeom prst="rect">
+            <a:avLst/>
+          </a:prstGeom>
+          <a:noFill/>
+        </p:spPr>
+        <p:txBody>
+          <a:bodyPr wrap="none" rtlCol="0">
+            <a:spAutoFit/>
+          </a:bodyPr>
+          <a:lstStyle/>
+          <a:p>
+            <a:r>
+              <a:rPr lang="ko-KR" altLang="en-US" dirty="0" smtClean="0"/>
+              <a:t>작성한 데이터 모두 삭제하기</a:t>
+            </a:r>
+            <a:endParaRPr lang="ko-KR" altLang="en-US" dirty="0"/>
+          </a:p>
+        </p:txBody>
+      </p:sp>
+      <p:sp>
+        <p:nvSpPr>
+          <p:cNvPr id="12" name="모서리가 둥근 직사각형 11"/>
+          <p:cNvSpPr/>
+          <p:nvPr/>
+        </p:nvSpPr>
+        <p:spPr>
+          <a:xfrm>
+            <a:off x="7133453" y="4440382"/>
+            <a:ext cx="304800" cy="268242"/>
+          </a:xfrm>
+          <a:prstGeom prst="roundRect">
+            <a:avLst/>
+          </a:prstGeom>
+        </p:spPr>
+        <p:style>
+          <a:lnRef idx="2">
+            <a:schemeClr val="accent1"/>
+          </a:lnRef>
+          <a:fillRef idx="1">
+            <a:schemeClr val="lt1"/>
+          </a:fillRef>
+          <a:effectRef idx="0">
+            <a:schemeClr val="accent1"/>
+          </a:effectRef>
+          <a:fontRef idx="minor">
+            <a:schemeClr val="dk1"/>
+          </a:fontRef>
+        </p:style>
+        <p:txBody>
+          <a:bodyPr rtlCol="0" anchor="ctr"/>
+          <a:lstStyle/>
+          <a:p>
+            <a:pPr algn="ctr"/>
+            <a:endParaRPr lang="ko-KR" altLang="en-US"/>
+          </a:p>
+        </p:txBody>
+      </p:sp>
     </p:spTree>
     <p:extLst>
       <p:ext uri="{BB962C8B-B14F-4D97-AF65-F5344CB8AC3E}">
@@ -8025,6 +8107,13 @@
   <p:clrMapOvr>
     <a:masterClrMapping/>
   </p:clrMapOvr>
+  <p:timing>
+    <p:tnLst>
+      <p:par>
+        <p:cTn id="1" dur="indefinite" restart="never" nodeType="tmRoot"/>
+      </p:par>
+    </p:tnLst>
+  </p:timing>
 </p:sld>
 </file>
 
@@ -8636,6 +8725,13 @@
   <p:clrMapOvr>
     <a:masterClrMapping/>
   </p:clrMapOvr>
+  <p:timing>
+    <p:tnLst>
+      <p:par>
+        <p:cTn id="1" dur="indefinite" restart="never" nodeType="tmRoot"/>
+      </p:par>
+    </p:tnLst>
+  </p:timing>
 </p:sld>
 </file>
 
@@ -9363,6 +9459,13 @@
   <p:clrMapOvr>
     <a:masterClrMapping/>
   </p:clrMapOvr>
+  <p:timing>
+    <p:tnLst>
+      <p:par>
+        <p:cTn id="1" dur="indefinite" restart="never" nodeType="tmRoot"/>
+      </p:par>
+    </p:tnLst>
+  </p:timing>
 </p:sld>
 </file>
 
@@ -9886,6 +9989,13 @@
   <p:clrMapOvr>
     <a:masterClrMapping/>
   </p:clrMapOvr>
+  <p:timing>
+    <p:tnLst>
+      <p:par>
+        <p:cTn id="1" dur="indefinite" restart="never" nodeType="tmRoot"/>
+      </p:par>
+    </p:tnLst>
+  </p:timing>
 </p:sld>
 </file>
 
@@ -11749,6 +11859,13 @@
   <p:clrMapOvr>
     <a:masterClrMapping/>
   </p:clrMapOvr>
+  <p:timing>
+    <p:tnLst>
+      <p:par>
+        <p:cTn id="1" dur="indefinite" restart="never" nodeType="tmRoot"/>
+      </p:par>
+    </p:tnLst>
+  </p:timing>
 </p:sld>
 </file>
 
@@ -12314,43 +12431,13 @@
       </p:sp>
       <p:sp>
         <p:nvSpPr>
-          <p:cNvPr id="46" name="TextBox 45"/>
-          <p:cNvSpPr txBox="1"/>
-          <p:nvPr/>
-        </p:nvSpPr>
-        <p:spPr>
-          <a:xfrm>
-            <a:off x="5152364" y="663696"/>
-            <a:ext cx="1420582" cy="369332"/>
-          </a:xfrm>
-          <a:prstGeom prst="rect">
-            <a:avLst/>
-          </a:prstGeom>
-          <a:noFill/>
-        </p:spPr>
-        <p:txBody>
-          <a:bodyPr wrap="none" rtlCol="0">
-            <a:spAutoFit/>
-          </a:bodyPr>
-          <a:lstStyle/>
-          <a:p>
-            <a:r>
-              <a:rPr lang="ko-KR" altLang="en-US" dirty="0" smtClean="0"/>
-              <a:t>신고된 회원</a:t>
-            </a:r>
-            <a:endParaRPr lang="ko-KR" altLang="en-US" dirty="0"/>
-          </a:p>
-        </p:txBody>
-      </p:sp>
-      <p:sp>
-        <p:nvSpPr>
           <p:cNvPr id="41" name="TextBox 40"/>
           <p:cNvSpPr txBox="1"/>
           <p:nvPr/>
         </p:nvSpPr>
         <p:spPr>
           <a:xfrm>
-            <a:off x="6656134" y="661800"/>
+            <a:off x="5100892" y="672799"/>
             <a:ext cx="1420582" cy="369332"/>
           </a:xfrm>
           <a:prstGeom prst="rect">
@@ -13200,6 +13287,594 @@
   <p:clrMapOvr>
     <a:masterClrMapping/>
   </p:clrMapOvr>
+  <p:timing>
+    <p:tnLst>
+      <p:par>
+        <p:cTn id="1" dur="indefinite" restart="never" nodeType="tmRoot"/>
+      </p:par>
+    </p:tnLst>
+  </p:timing>
+</p:sld>
+</file>
+
+<file path=ppt/slides/slide18.xml><?xml version="1.0" encoding="utf-8"?>
+<p:sld xmlns:a="http://schemas.openxmlformats.org/drawingml/2006/main" xmlns:r="http://schemas.openxmlformats.org/officeDocument/2006/relationships" xmlns:p="http://schemas.openxmlformats.org/presentationml/2006/main">
+  <p:cSld>
+    <p:spTree>
+      <p:nvGrpSpPr>
+        <p:cNvPr id="1" name=""/>
+        <p:cNvGrpSpPr/>
+        <p:nvPr/>
+      </p:nvGrpSpPr>
+      <p:grpSpPr>
+        <a:xfrm>
+          <a:off x="0" y="0"/>
+          <a:ext cx="0" cy="0"/>
+          <a:chOff x="0" y="0"/>
+          <a:chExt cx="0" cy="0"/>
+        </a:xfrm>
+      </p:grpSpPr>
+      <p:sp>
+        <p:nvSpPr>
+          <p:cNvPr id="4" name="모서리가 둥근 직사각형 3"/>
+          <p:cNvSpPr/>
+          <p:nvPr/>
+        </p:nvSpPr>
+        <p:spPr>
+          <a:xfrm>
+            <a:off x="0" y="0"/>
+            <a:ext cx="12192000" cy="656705"/>
+          </a:xfrm>
+          <a:prstGeom prst="roundRect">
+            <a:avLst/>
+          </a:prstGeom>
+          <a:solidFill>
+            <a:schemeClr val="bg1"/>
+          </a:solidFill>
+        </p:spPr>
+        <p:style>
+          <a:lnRef idx="2">
+            <a:schemeClr val="accent1">
+              <a:shade val="50000"/>
+            </a:schemeClr>
+          </a:lnRef>
+          <a:fillRef idx="1">
+            <a:schemeClr val="accent1"/>
+          </a:fillRef>
+          <a:effectRef idx="0">
+            <a:schemeClr val="accent1"/>
+          </a:effectRef>
+          <a:fontRef idx="minor">
+            <a:schemeClr val="lt1"/>
+          </a:fontRef>
+        </p:style>
+        <p:txBody>
+          <a:bodyPr rtlCol="0" anchor="ctr"/>
+          <a:lstStyle/>
+          <a:p>
+            <a:pPr algn="ctr"/>
+            <a:endParaRPr lang="ko-KR" altLang="en-US"/>
+          </a:p>
+        </p:txBody>
+      </p:sp>
+      <p:sp>
+        <p:nvSpPr>
+          <p:cNvPr id="7" name="모서리가 둥근 직사각형 6"/>
+          <p:cNvSpPr/>
+          <p:nvPr/>
+        </p:nvSpPr>
+        <p:spPr>
+          <a:xfrm>
+            <a:off x="11244349" y="169020"/>
+            <a:ext cx="858983" cy="307571"/>
+          </a:xfrm>
+          <a:prstGeom prst="roundRect">
+            <a:avLst/>
+          </a:prstGeom>
+        </p:spPr>
+        <p:style>
+          <a:lnRef idx="2">
+            <a:schemeClr val="accent1">
+              <a:shade val="50000"/>
+            </a:schemeClr>
+          </a:lnRef>
+          <a:fillRef idx="1">
+            <a:schemeClr val="accent1"/>
+          </a:fillRef>
+          <a:effectRef idx="0">
+            <a:schemeClr val="accent1"/>
+          </a:effectRef>
+          <a:fontRef idx="minor">
+            <a:schemeClr val="lt1"/>
+          </a:fontRef>
+        </p:style>
+        <p:txBody>
+          <a:bodyPr rtlCol="0" anchor="ctr"/>
+          <a:lstStyle/>
+          <a:p>
+            <a:pPr algn="ctr"/>
+            <a:r>
+              <a:rPr lang="ko-KR" altLang="en-US" sz="1200" dirty="0" smtClean="0"/>
+              <a:t>로그아웃</a:t>
+            </a:r>
+            <a:endParaRPr lang="ko-KR" altLang="en-US" sz="1200" dirty="0"/>
+          </a:p>
+        </p:txBody>
+      </p:sp>
+      <p:cxnSp>
+        <p:nvCxnSpPr>
+          <p:cNvPr id="8" name="직선 연결선 7"/>
+          <p:cNvCxnSpPr/>
+          <p:nvPr/>
+        </p:nvCxnSpPr>
+        <p:spPr>
+          <a:xfrm>
+            <a:off x="0" y="1021404"/>
+            <a:ext cx="12192000" cy="9728"/>
+          </a:xfrm>
+          <a:prstGeom prst="line">
+            <a:avLst/>
+          </a:prstGeom>
+        </p:spPr>
+        <p:style>
+          <a:lnRef idx="1">
+            <a:schemeClr val="accent1"/>
+          </a:lnRef>
+          <a:fillRef idx="0">
+            <a:schemeClr val="accent1"/>
+          </a:fillRef>
+          <a:effectRef idx="0">
+            <a:schemeClr val="accent1"/>
+          </a:effectRef>
+          <a:fontRef idx="minor">
+            <a:schemeClr val="tx1"/>
+          </a:fontRef>
+        </p:style>
+      </p:cxnSp>
+      <p:sp>
+        <p:nvSpPr>
+          <p:cNvPr id="39" name="다이아몬드 38"/>
+          <p:cNvSpPr/>
+          <p:nvPr/>
+        </p:nvSpPr>
+        <p:spPr>
+          <a:xfrm>
+            <a:off x="3699163" y="2044929"/>
+            <a:ext cx="2820786" cy="831273"/>
+          </a:xfrm>
+          <a:prstGeom prst="diamond">
+            <a:avLst/>
+          </a:prstGeom>
+        </p:spPr>
+        <p:style>
+          <a:lnRef idx="2">
+            <a:schemeClr val="accent1">
+              <a:shade val="50000"/>
+            </a:schemeClr>
+          </a:lnRef>
+          <a:fillRef idx="1">
+            <a:schemeClr val="accent1"/>
+          </a:fillRef>
+          <a:effectRef idx="0">
+            <a:schemeClr val="accent1"/>
+          </a:effectRef>
+          <a:fontRef idx="minor">
+            <a:schemeClr val="lt1"/>
+          </a:fontRef>
+        </p:style>
+        <p:txBody>
+          <a:bodyPr rtlCol="0" anchor="ctr"/>
+          <a:lstStyle/>
+          <a:p>
+            <a:pPr algn="ctr"/>
+            <a:r>
+              <a:rPr lang="ko-KR" altLang="en-US" dirty="0" smtClean="0"/>
+              <a:t>지역</a:t>
+            </a:r>
+            <a:endParaRPr lang="ko-KR" altLang="en-US" dirty="0"/>
+          </a:p>
+        </p:txBody>
+      </p:sp>
+      <p:sp>
+        <p:nvSpPr>
+          <p:cNvPr id="42" name="다이아몬드 41"/>
+          <p:cNvSpPr/>
+          <p:nvPr/>
+        </p:nvSpPr>
+        <p:spPr>
+          <a:xfrm>
+            <a:off x="3699163" y="3128358"/>
+            <a:ext cx="2820786" cy="831273"/>
+          </a:xfrm>
+          <a:prstGeom prst="diamond">
+            <a:avLst/>
+          </a:prstGeom>
+        </p:spPr>
+        <p:style>
+          <a:lnRef idx="2">
+            <a:schemeClr val="accent1">
+              <a:shade val="50000"/>
+            </a:schemeClr>
+          </a:lnRef>
+          <a:fillRef idx="1">
+            <a:schemeClr val="accent1"/>
+          </a:fillRef>
+          <a:effectRef idx="0">
+            <a:schemeClr val="accent1"/>
+          </a:effectRef>
+          <a:fontRef idx="minor">
+            <a:schemeClr val="lt1"/>
+          </a:fontRef>
+        </p:style>
+        <p:txBody>
+          <a:bodyPr rtlCol="0" anchor="ctr"/>
+          <a:lstStyle/>
+          <a:p>
+            <a:pPr algn="ctr"/>
+            <a:r>
+              <a:rPr lang="ko-KR" altLang="en-US" dirty="0" smtClean="0"/>
+              <a:t>날짜</a:t>
+            </a:r>
+            <a:endParaRPr lang="ko-KR" altLang="en-US" dirty="0"/>
+          </a:p>
+        </p:txBody>
+      </p:sp>
+      <p:sp>
+        <p:nvSpPr>
+          <p:cNvPr id="18" name="직사각형 17"/>
+          <p:cNvSpPr/>
+          <p:nvPr/>
+        </p:nvSpPr>
+        <p:spPr>
+          <a:xfrm>
+            <a:off x="3584172" y="5763492"/>
+            <a:ext cx="1920240" cy="955964"/>
+          </a:xfrm>
+          <a:prstGeom prst="rect">
+            <a:avLst/>
+          </a:prstGeom>
+        </p:spPr>
+        <p:style>
+          <a:lnRef idx="2">
+            <a:schemeClr val="accent1">
+              <a:shade val="50000"/>
+            </a:schemeClr>
+          </a:lnRef>
+          <a:fillRef idx="1">
+            <a:schemeClr val="accent1"/>
+          </a:fillRef>
+          <a:effectRef idx="0">
+            <a:schemeClr val="accent1"/>
+          </a:effectRef>
+          <a:fontRef idx="minor">
+            <a:schemeClr val="lt1"/>
+          </a:fontRef>
+        </p:style>
+        <p:txBody>
+          <a:bodyPr rtlCol="0" anchor="ctr"/>
+          <a:lstStyle/>
+          <a:p>
+            <a:pPr algn="ctr"/>
+            <a:r>
+              <a:rPr lang="ko-KR" altLang="en-US" dirty="0" smtClean="0"/>
+              <a:t>지역</a:t>
+            </a:r>
+            <a:endParaRPr lang="ko-KR" altLang="en-US" dirty="0"/>
+          </a:p>
+        </p:txBody>
+      </p:sp>
+      <p:sp>
+        <p:nvSpPr>
+          <p:cNvPr id="66" name="직사각형 65"/>
+          <p:cNvSpPr/>
+          <p:nvPr/>
+        </p:nvSpPr>
+        <p:spPr>
+          <a:xfrm>
+            <a:off x="467244" y="3897600"/>
+            <a:ext cx="1920240" cy="955964"/>
+          </a:xfrm>
+          <a:prstGeom prst="rect">
+            <a:avLst/>
+          </a:prstGeom>
+        </p:spPr>
+        <p:style>
+          <a:lnRef idx="2">
+            <a:schemeClr val="accent1">
+              <a:shade val="50000"/>
+            </a:schemeClr>
+          </a:lnRef>
+          <a:fillRef idx="1">
+            <a:schemeClr val="accent1"/>
+          </a:fillRef>
+          <a:effectRef idx="0">
+            <a:schemeClr val="accent1"/>
+          </a:effectRef>
+          <a:fontRef idx="minor">
+            <a:schemeClr val="lt1"/>
+          </a:fontRef>
+        </p:style>
+        <p:txBody>
+          <a:bodyPr rtlCol="0" anchor="ctr"/>
+          <a:lstStyle/>
+          <a:p>
+            <a:pPr algn="ctr"/>
+            <a:r>
+              <a:rPr lang="ko-KR" altLang="en-US" dirty="0" smtClean="0"/>
+              <a:t>검색</a:t>
+            </a:r>
+            <a:endParaRPr lang="ko-KR" altLang="en-US" dirty="0"/>
+          </a:p>
+        </p:txBody>
+      </p:sp>
+      <p:sp>
+        <p:nvSpPr>
+          <p:cNvPr id="67" name="직사각형 66"/>
+          <p:cNvSpPr/>
+          <p:nvPr/>
+        </p:nvSpPr>
+        <p:spPr>
+          <a:xfrm>
+            <a:off x="467244" y="5580254"/>
+            <a:ext cx="1920240" cy="955964"/>
+          </a:xfrm>
+          <a:prstGeom prst="rect">
+            <a:avLst/>
+          </a:prstGeom>
+        </p:spPr>
+        <p:style>
+          <a:lnRef idx="2">
+            <a:schemeClr val="accent1">
+              <a:shade val="50000"/>
+            </a:schemeClr>
+          </a:lnRef>
+          <a:fillRef idx="1">
+            <a:schemeClr val="accent1"/>
+          </a:fillRef>
+          <a:effectRef idx="0">
+            <a:schemeClr val="accent1"/>
+          </a:effectRef>
+          <a:fontRef idx="minor">
+            <a:schemeClr val="lt1"/>
+          </a:fontRef>
+        </p:style>
+        <p:txBody>
+          <a:bodyPr rtlCol="0" anchor="ctr"/>
+          <a:lstStyle/>
+          <a:p>
+            <a:pPr algn="ctr"/>
+            <a:r>
+              <a:rPr lang="ko-KR" altLang="en-US" dirty="0" smtClean="0"/>
+              <a:t>검색</a:t>
+            </a:r>
+            <a:endParaRPr lang="ko-KR" altLang="en-US" dirty="0"/>
+          </a:p>
+        </p:txBody>
+      </p:sp>
+      <p:sp>
+        <p:nvSpPr>
+          <p:cNvPr id="68" name="직사각형 67"/>
+          <p:cNvSpPr/>
+          <p:nvPr/>
+        </p:nvSpPr>
+        <p:spPr>
+          <a:xfrm>
+            <a:off x="7277794" y="5106786"/>
+            <a:ext cx="1920240" cy="955964"/>
+          </a:xfrm>
+          <a:prstGeom prst="rect">
+            <a:avLst/>
+          </a:prstGeom>
+        </p:spPr>
+        <p:style>
+          <a:lnRef idx="2">
+            <a:schemeClr val="accent1">
+              <a:shade val="50000"/>
+            </a:schemeClr>
+          </a:lnRef>
+          <a:fillRef idx="1">
+            <a:schemeClr val="accent1"/>
+          </a:fillRef>
+          <a:effectRef idx="0">
+            <a:schemeClr val="accent1"/>
+          </a:effectRef>
+          <a:fontRef idx="minor">
+            <a:schemeClr val="lt1"/>
+          </a:fontRef>
+        </p:style>
+        <p:txBody>
+          <a:bodyPr rtlCol="0" anchor="ctr"/>
+          <a:lstStyle/>
+          <a:p>
+            <a:pPr algn="ctr"/>
+            <a:endParaRPr lang="ko-KR" altLang="en-US"/>
+          </a:p>
+        </p:txBody>
+      </p:sp>
+      <p:cxnSp>
+        <p:nvCxnSpPr>
+          <p:cNvPr id="27" name="직선 화살표 연결선 26"/>
+          <p:cNvCxnSpPr>
+            <a:endCxn id="39" idx="0"/>
+          </p:cNvCxnSpPr>
+          <p:nvPr/>
+        </p:nvCxnSpPr>
+        <p:spPr>
+          <a:xfrm>
+            <a:off x="5109556" y="1775102"/>
+            <a:ext cx="0" cy="269827"/>
+          </a:xfrm>
+          <a:prstGeom prst="straightConnector1">
+            <a:avLst/>
+          </a:prstGeom>
+          <a:ln>
+            <a:tailEnd type="triangle"/>
+          </a:ln>
+        </p:spPr>
+        <p:style>
+          <a:lnRef idx="1">
+            <a:schemeClr val="accent1"/>
+          </a:lnRef>
+          <a:fillRef idx="0">
+            <a:schemeClr val="accent1"/>
+          </a:fillRef>
+          <a:effectRef idx="0">
+            <a:schemeClr val="accent1"/>
+          </a:effectRef>
+          <a:fontRef idx="minor">
+            <a:schemeClr val="tx1"/>
+          </a:fontRef>
+        </p:style>
+      </p:cxnSp>
+      <p:cxnSp>
+        <p:nvCxnSpPr>
+          <p:cNvPr id="31" name="직선 화살표 연결선 30"/>
+          <p:cNvCxnSpPr/>
+          <p:nvPr/>
+        </p:nvCxnSpPr>
+        <p:spPr>
+          <a:xfrm>
+            <a:off x="4619106" y="4075314"/>
+            <a:ext cx="0" cy="313806"/>
+          </a:xfrm>
+          <a:prstGeom prst="straightConnector1">
+            <a:avLst/>
+          </a:prstGeom>
+          <a:ln>
+            <a:tailEnd type="triangle"/>
+          </a:ln>
+        </p:spPr>
+        <p:style>
+          <a:lnRef idx="1">
+            <a:schemeClr val="accent1"/>
+          </a:lnRef>
+          <a:fillRef idx="0">
+            <a:schemeClr val="accent1"/>
+          </a:fillRef>
+          <a:effectRef idx="0">
+            <a:schemeClr val="accent1"/>
+          </a:effectRef>
+          <a:fontRef idx="minor">
+            <a:schemeClr val="tx1"/>
+          </a:fontRef>
+        </p:style>
+      </p:cxnSp>
+      <p:cxnSp>
+        <p:nvCxnSpPr>
+          <p:cNvPr id="33" name="직선 화살표 연결선 32"/>
+          <p:cNvCxnSpPr/>
+          <p:nvPr/>
+        </p:nvCxnSpPr>
+        <p:spPr>
+          <a:xfrm flipH="1">
+            <a:off x="2585257" y="3804111"/>
+            <a:ext cx="998915" cy="541030"/>
+          </a:xfrm>
+          <a:prstGeom prst="straightConnector1">
+            <a:avLst/>
+          </a:prstGeom>
+          <a:ln>
+            <a:tailEnd type="triangle"/>
+          </a:ln>
+        </p:spPr>
+        <p:style>
+          <a:lnRef idx="1">
+            <a:schemeClr val="accent1"/>
+          </a:lnRef>
+          <a:fillRef idx="0">
+            <a:schemeClr val="accent1"/>
+          </a:fillRef>
+          <a:effectRef idx="0">
+            <a:schemeClr val="accent1"/>
+          </a:effectRef>
+          <a:fontRef idx="minor">
+            <a:schemeClr val="tx1"/>
+          </a:fontRef>
+        </p:style>
+      </p:cxnSp>
+      <p:cxnSp>
+        <p:nvCxnSpPr>
+          <p:cNvPr id="37" name="직선 화살표 연결선 36"/>
+          <p:cNvCxnSpPr/>
+          <p:nvPr/>
+        </p:nvCxnSpPr>
+        <p:spPr>
+          <a:xfrm>
+            <a:off x="4574772" y="5285510"/>
+            <a:ext cx="0" cy="390698"/>
+          </a:xfrm>
+          <a:prstGeom prst="straightConnector1">
+            <a:avLst/>
+          </a:prstGeom>
+          <a:ln>
+            <a:tailEnd type="triangle"/>
+          </a:ln>
+        </p:spPr>
+        <p:style>
+          <a:lnRef idx="1">
+            <a:schemeClr val="accent1"/>
+          </a:lnRef>
+          <a:fillRef idx="0">
+            <a:schemeClr val="accent1"/>
+          </a:fillRef>
+          <a:effectRef idx="0">
+            <a:schemeClr val="accent1"/>
+          </a:effectRef>
+          <a:fontRef idx="minor">
+            <a:schemeClr val="tx1"/>
+          </a:fontRef>
+        </p:style>
+      </p:cxnSp>
+      <p:cxnSp>
+        <p:nvCxnSpPr>
+          <p:cNvPr id="69" name="직선 화살표 연결선 68"/>
+          <p:cNvCxnSpPr/>
+          <p:nvPr/>
+        </p:nvCxnSpPr>
+        <p:spPr>
+          <a:xfrm flipH="1">
+            <a:off x="2585257" y="4979324"/>
+            <a:ext cx="756459" cy="415282"/>
+          </a:xfrm>
+          <a:prstGeom prst="straightConnector1">
+            <a:avLst/>
+          </a:prstGeom>
+          <a:ln>
+            <a:tailEnd type="triangle"/>
+          </a:ln>
+        </p:spPr>
+        <p:style>
+          <a:lnRef idx="1">
+            <a:schemeClr val="accent1"/>
+          </a:lnRef>
+          <a:fillRef idx="0">
+            <a:schemeClr val="accent1"/>
+          </a:fillRef>
+          <a:effectRef idx="0">
+            <a:schemeClr val="accent1"/>
+          </a:effectRef>
+          <a:fontRef idx="minor">
+            <a:schemeClr val="tx1"/>
+          </a:fontRef>
+        </p:style>
+      </p:cxnSp>
+    </p:spTree>
+    <p:extLst>
+      <p:ext uri="{BB962C8B-B14F-4D97-AF65-F5344CB8AC3E}">
+        <p14:creationId xmlns:p14="http://schemas.microsoft.com/office/powerpoint/2010/main" val="2889990170"/>
+      </p:ext>
+    </p:extLst>
+  </p:cSld>
+  <p:clrMapOvr>
+    <a:masterClrMapping/>
+  </p:clrMapOvr>
+  <p:timing>
+    <p:tnLst>
+      <p:par>
+        <p:cTn id="1" dur="indefinite" restart="never" nodeType="tmRoot"/>
+      </p:par>
+    </p:tnLst>
+  </p:timing>
 </p:sld>
 </file>
 
@@ -15329,6 +16004,13 @@
   <p:clrMapOvr>
     <a:masterClrMapping/>
   </p:clrMapOvr>
+  <p:timing>
+    <p:tnLst>
+      <p:par>
+        <p:cTn id="1" dur="indefinite" restart="never" nodeType="tmRoot"/>
+      </p:par>
+    </p:tnLst>
+  </p:timing>
 </p:sld>
 </file>
 
@@ -17215,7 +17897,7 @@
         </p:nvSpPr>
         <p:spPr>
           <a:xfrm>
-            <a:off x="9937930" y="1068717"/>
+            <a:off x="2860093" y="1509076"/>
             <a:ext cx="547072" cy="478386"/>
           </a:xfrm>
           <a:prstGeom prst="ellipse">
@@ -17321,6 +18003,13 @@
   <p:clrMapOvr>
     <a:masterClrMapping/>
   </p:clrMapOvr>
+  <p:timing>
+    <p:tnLst>
+      <p:par>
+        <p:cTn id="1" dur="indefinite" restart="never" nodeType="tmRoot"/>
+      </p:par>
+    </p:tnLst>
+  </p:timing>
 </p:sld>
 </file>
 
@@ -17343,6 +18032,58 @@
       </p:grpSpPr>
       <p:sp>
         <p:nvSpPr>
+          <p:cNvPr id="78" name="타원 77"/>
+          <p:cNvSpPr/>
+          <p:nvPr/>
+        </p:nvSpPr>
+        <p:spPr>
+          <a:xfrm>
+            <a:off x="105364" y="3685709"/>
+            <a:ext cx="1022466" cy="955964"/>
+          </a:xfrm>
+          <a:prstGeom prst="ellipse">
+            <a:avLst/>
+          </a:prstGeom>
+        </p:spPr>
+        <p:style>
+          <a:lnRef idx="2">
+            <a:schemeClr val="accent6">
+              <a:shade val="50000"/>
+            </a:schemeClr>
+          </a:lnRef>
+          <a:fillRef idx="1">
+            <a:schemeClr val="accent6"/>
+          </a:fillRef>
+          <a:effectRef idx="0">
+            <a:schemeClr val="accent6"/>
+          </a:effectRef>
+          <a:fontRef idx="minor">
+            <a:schemeClr val="lt1"/>
+          </a:fontRef>
+        </p:style>
+        <p:txBody>
+          <a:bodyPr rtlCol="0" anchor="ctr"/>
+          <a:lstStyle/>
+          <a:p>
+            <a:pPr algn="ctr"/>
+            <a:r>
+              <a:rPr lang="ko-KR" altLang="en-US" dirty="0" smtClean="0"/>
+              <a:t>글</a:t>
+            </a:r>
+            <a:endParaRPr lang="en-US" altLang="ko-KR" dirty="0" smtClean="0"/>
+          </a:p>
+          <a:p>
+            <a:pPr algn="ctr"/>
+            <a:r>
+              <a:rPr lang="ko-KR" altLang="en-US" dirty="0" smtClean="0"/>
+              <a:t>쓰기</a:t>
+            </a:r>
+            <a:endParaRPr lang="ko-KR" altLang="en-US" dirty="0"/>
+          </a:p>
+        </p:txBody>
+      </p:sp>
+      <p:sp>
+        <p:nvSpPr>
           <p:cNvPr id="4" name="모서리가 둥근 직사각형 3"/>
           <p:cNvSpPr/>
           <p:nvPr/>
@@ -18416,7 +19157,7 @@
         </p:nvSpPr>
         <p:spPr>
           <a:xfrm>
-            <a:off x="3663909" y="178557"/>
+            <a:off x="2018689" y="187852"/>
             <a:ext cx="1509377" cy="307571"/>
           </a:xfrm>
           <a:prstGeom prst="roundRect">
@@ -18664,7 +19405,7 @@
         </p:nvSpPr>
         <p:spPr>
           <a:xfrm>
-            <a:off x="5320144" y="169020"/>
+            <a:off x="3674924" y="178315"/>
             <a:ext cx="1284937" cy="317108"/>
           </a:xfrm>
           <a:prstGeom prst="roundRect">
@@ -18691,8 +19432,8 @@
           <a:p>
             <a:pPr algn="ctr"/>
             <a:r>
-              <a:rPr lang="ko-KR" altLang="en-US" dirty="0" smtClean="0"/>
-              <a:t>글쓰기</a:t>
+              <a:rPr lang="ko-KR" altLang="en-US" dirty="0" err="1" smtClean="0"/>
+              <a:t>사이트맵</a:t>
             </a:r>
             <a:endParaRPr lang="ko-KR" altLang="en-US" dirty="0"/>
           </a:p>
@@ -18706,7 +19447,7 @@
         </p:nvSpPr>
         <p:spPr>
           <a:xfrm>
-            <a:off x="8839819" y="2882292"/>
+            <a:off x="6908006" y="2832199"/>
             <a:ext cx="698437" cy="657972"/>
           </a:xfrm>
           <a:prstGeom prst="ellipse">
@@ -18737,153 +19478,6 @@
               <a:t>엠블럼</a:t>
             </a:r>
             <a:endParaRPr lang="ko-KR" altLang="en-US" sz="800" dirty="0"/>
-          </a:p>
-        </p:txBody>
-      </p:sp>
-      <p:sp>
-        <p:nvSpPr>
-          <p:cNvPr id="63" name="타원 62"/>
-          <p:cNvSpPr/>
-          <p:nvPr/>
-        </p:nvSpPr>
-        <p:spPr>
-          <a:xfrm>
-            <a:off x="9594277" y="2884745"/>
-            <a:ext cx="698437" cy="657972"/>
-          </a:xfrm>
-          <a:prstGeom prst="ellipse">
-            <a:avLst/>
-          </a:prstGeom>
-        </p:spPr>
-        <p:style>
-          <a:lnRef idx="2">
-            <a:schemeClr val="accent1"/>
-          </a:lnRef>
-          <a:fillRef idx="1">
-            <a:schemeClr val="lt1"/>
-          </a:fillRef>
-          <a:effectRef idx="0">
-            <a:schemeClr val="accent1"/>
-          </a:effectRef>
-          <a:fontRef idx="minor">
-            <a:schemeClr val="dk1"/>
-          </a:fontRef>
-        </p:style>
-        <p:txBody>
-          <a:bodyPr rtlCol="0" anchor="ctr"/>
-          <a:lstStyle/>
-          <a:p>
-            <a:pPr algn="ctr"/>
-            <a:r>
-              <a:rPr lang="ko-KR" altLang="en-US" sz="800" dirty="0" smtClean="0"/>
-              <a:t>달력</a:t>
-            </a:r>
-            <a:endParaRPr lang="ko-KR" altLang="en-US" sz="800" dirty="0"/>
-          </a:p>
-        </p:txBody>
-      </p:sp>
-      <p:sp>
-        <p:nvSpPr>
-          <p:cNvPr id="64" name="타원 63"/>
-          <p:cNvSpPr/>
-          <p:nvPr/>
-        </p:nvSpPr>
-        <p:spPr>
-          <a:xfrm>
-            <a:off x="8085361" y="2896882"/>
-            <a:ext cx="698437" cy="657972"/>
-          </a:xfrm>
-          <a:prstGeom prst="ellipse">
-            <a:avLst/>
-          </a:prstGeom>
-        </p:spPr>
-        <p:style>
-          <a:lnRef idx="2">
-            <a:schemeClr val="accent1"/>
-          </a:lnRef>
-          <a:fillRef idx="1">
-            <a:schemeClr val="lt1"/>
-          </a:fillRef>
-          <a:effectRef idx="0">
-            <a:schemeClr val="accent1"/>
-          </a:effectRef>
-          <a:fontRef idx="minor">
-            <a:schemeClr val="dk1"/>
-          </a:fontRef>
-        </p:style>
-        <p:txBody>
-          <a:bodyPr rtlCol="0" anchor="ctr"/>
-          <a:lstStyle/>
-          <a:p>
-            <a:pPr algn="ctr"/>
-            <a:r>
-              <a:rPr lang="ko-KR" altLang="en-US" sz="800" dirty="0" smtClean="0"/>
-              <a:t>글쓰기</a:t>
-            </a:r>
-            <a:endParaRPr lang="ko-KR" altLang="en-US" sz="800" dirty="0"/>
-          </a:p>
-        </p:txBody>
-      </p:sp>
-      <p:cxnSp>
-        <p:nvCxnSpPr>
-          <p:cNvPr id="65" name="직선 화살표 연결선 64"/>
-          <p:cNvCxnSpPr/>
-          <p:nvPr/>
-        </p:nvCxnSpPr>
-        <p:spPr>
-          <a:xfrm flipH="1" flipV="1">
-            <a:off x="7918315" y="2320047"/>
-            <a:ext cx="435908" cy="758231"/>
-          </a:xfrm>
-          <a:prstGeom prst="straightConnector1">
-            <a:avLst/>
-          </a:prstGeom>
-          <a:ln>
-            <a:tailEnd type="triangle"/>
-          </a:ln>
-        </p:spPr>
-        <p:style>
-          <a:lnRef idx="3">
-            <a:schemeClr val="accent2"/>
-          </a:lnRef>
-          <a:fillRef idx="0">
-            <a:schemeClr val="accent2"/>
-          </a:fillRef>
-          <a:effectRef idx="2">
-            <a:schemeClr val="accent2"/>
-          </a:effectRef>
-          <a:fontRef idx="minor">
-            <a:schemeClr val="tx1"/>
-          </a:fontRef>
-        </p:style>
-      </p:cxnSp>
-      <p:sp>
-        <p:nvSpPr>
-          <p:cNvPr id="66" name="TextBox 65"/>
-          <p:cNvSpPr txBox="1"/>
-          <p:nvPr/>
-        </p:nvSpPr>
-        <p:spPr>
-          <a:xfrm>
-            <a:off x="6925498" y="1992633"/>
-            <a:ext cx="1651414" cy="369332"/>
-          </a:xfrm>
-          <a:prstGeom prst="rect">
-            <a:avLst/>
-          </a:prstGeom>
-          <a:noFill/>
-        </p:spPr>
-        <p:txBody>
-          <a:bodyPr wrap="none" rtlCol="0">
-            <a:spAutoFit/>
-          </a:bodyPr>
-          <a:lstStyle/>
-          <a:p>
-            <a:r>
-              <a:rPr lang="ko-KR" altLang="en-US" dirty="0" smtClean="0"/>
-              <a:t>글쓰기 페이지</a:t>
-            </a:r>
-            <a:endParaRPr lang="ko-KR" altLang="en-US" dirty="0"/>
           </a:p>
         </p:txBody>
       </p:sp>
@@ -18894,9 +19488,9 @@
           <p:nvPr/>
         </p:nvCxnSpPr>
         <p:spPr>
-          <a:xfrm flipH="1">
-            <a:off x="8496924" y="3367978"/>
-            <a:ext cx="670645" cy="552269"/>
+          <a:xfrm>
+            <a:off x="7448106" y="3282943"/>
+            <a:ext cx="378753" cy="625129"/>
           </a:xfrm>
           <a:prstGeom prst="straightConnector1">
             <a:avLst/>
@@ -18951,111 +19545,6 @@
               <a:t> 페이지</a:t>
             </a:r>
             <a:endParaRPr lang="ko-KR" altLang="en-US" dirty="0"/>
-          </a:p>
-        </p:txBody>
-      </p:sp>
-      <p:cxnSp>
-        <p:nvCxnSpPr>
-          <p:cNvPr id="71" name="직선 화살표 연결선 70"/>
-          <p:cNvCxnSpPr/>
-          <p:nvPr/>
-        </p:nvCxnSpPr>
-        <p:spPr>
-          <a:xfrm>
-            <a:off x="10066165" y="3262944"/>
-            <a:ext cx="721809" cy="0"/>
-          </a:xfrm>
-          <a:prstGeom prst="straightConnector1">
-            <a:avLst/>
-          </a:prstGeom>
-          <a:ln>
-            <a:tailEnd type="triangle"/>
-          </a:ln>
-        </p:spPr>
-        <p:style>
-          <a:lnRef idx="3">
-            <a:schemeClr val="accent2"/>
-          </a:lnRef>
-          <a:fillRef idx="0">
-            <a:schemeClr val="accent2"/>
-          </a:fillRef>
-          <a:effectRef idx="2">
-            <a:schemeClr val="accent2"/>
-          </a:effectRef>
-          <a:fontRef idx="minor">
-            <a:schemeClr val="tx1"/>
-          </a:fontRef>
-        </p:style>
-      </p:cxnSp>
-      <p:sp>
-        <p:nvSpPr>
-          <p:cNvPr id="72" name="TextBox 71"/>
-          <p:cNvSpPr txBox="1"/>
-          <p:nvPr/>
-        </p:nvSpPr>
-        <p:spPr>
-          <a:xfrm>
-            <a:off x="10787974" y="3084291"/>
-            <a:ext cx="1107996" cy="369332"/>
-          </a:xfrm>
-          <a:prstGeom prst="rect">
-            <a:avLst/>
-          </a:prstGeom>
-          <a:noFill/>
-        </p:spPr>
-        <p:txBody>
-          <a:bodyPr wrap="none" rtlCol="0">
-            <a:spAutoFit/>
-          </a:bodyPr>
-          <a:lstStyle/>
-          <a:p>
-            <a:r>
-              <a:rPr lang="ko-KR" altLang="en-US" dirty="0" err="1" smtClean="0"/>
-              <a:t>달력보기</a:t>
-            </a:r>
-            <a:endParaRPr lang="ko-KR" altLang="en-US" dirty="0"/>
-          </a:p>
-        </p:txBody>
-      </p:sp>
-      <p:sp>
-        <p:nvSpPr>
-          <p:cNvPr id="75" name="타원 74"/>
-          <p:cNvSpPr/>
-          <p:nvPr/>
-        </p:nvSpPr>
-        <p:spPr>
-          <a:xfrm>
-            <a:off x="9588977" y="2869472"/>
-            <a:ext cx="698437" cy="657972"/>
-          </a:xfrm>
-          <a:prstGeom prst="ellipse">
-            <a:avLst/>
-          </a:prstGeom>
-        </p:spPr>
-        <p:style>
-          <a:lnRef idx="2">
-            <a:schemeClr val="accent1"/>
-          </a:lnRef>
-          <a:fillRef idx="1">
-            <a:schemeClr val="lt1"/>
-          </a:fillRef>
-          <a:effectRef idx="0">
-            <a:schemeClr val="accent1"/>
-          </a:effectRef>
-          <a:fontRef idx="minor">
-            <a:schemeClr val="dk1"/>
-          </a:fontRef>
-        </p:style>
-        <p:txBody>
-          <a:bodyPr rtlCol="0" anchor="ctr"/>
-          <a:lstStyle/>
-          <a:p>
-            <a:pPr algn="ctr"/>
-            <a:r>
-              <a:rPr lang="ko-KR" altLang="en-US" sz="800" dirty="0" smtClean="0"/>
-              <a:t>달력</a:t>
-            </a:r>
-            <a:endParaRPr lang="ko-KR" altLang="en-US" sz="800" dirty="0"/>
           </a:p>
         </p:txBody>
       </p:sp>
@@ -19510,7 +19999,7 @@
         </p:nvSpPr>
         <p:spPr>
           <a:xfrm>
-            <a:off x="9865044" y="2118043"/>
+            <a:off x="9815935" y="930421"/>
             <a:ext cx="500459" cy="439704"/>
           </a:xfrm>
           <a:prstGeom prst="ellipse">
@@ -19551,13 +20040,15 @@
       <p:cxnSp>
         <p:nvCxnSpPr>
           <p:cNvPr id="96" name="직선 화살표 연결선 95"/>
-          <p:cNvCxnSpPr/>
+          <p:cNvCxnSpPr>
+            <a:stCxn id="94" idx="5"/>
+          </p:cNvCxnSpPr>
           <p:nvPr/>
         </p:nvCxnSpPr>
         <p:spPr>
-          <a:xfrm flipV="1">
-            <a:off x="10184099" y="1900913"/>
-            <a:ext cx="823588" cy="445061"/>
+          <a:xfrm>
+            <a:off x="10243103" y="1305732"/>
+            <a:ext cx="764584" cy="595182"/>
           </a:xfrm>
           <a:prstGeom prst="straightConnector1">
             <a:avLst/>
@@ -19731,111 +20222,6 @@
       </p:sp>
       <p:sp>
         <p:nvSpPr>
-          <p:cNvPr id="67" name="타원 66"/>
-          <p:cNvSpPr/>
-          <p:nvPr/>
-        </p:nvSpPr>
-        <p:spPr>
-          <a:xfrm>
-            <a:off x="7290060" y="2901159"/>
-            <a:ext cx="698437" cy="657972"/>
-          </a:xfrm>
-          <a:prstGeom prst="ellipse">
-            <a:avLst/>
-          </a:prstGeom>
-        </p:spPr>
-        <p:style>
-          <a:lnRef idx="2">
-            <a:schemeClr val="accent1"/>
-          </a:lnRef>
-          <a:fillRef idx="1">
-            <a:schemeClr val="lt1"/>
-          </a:fillRef>
-          <a:effectRef idx="0">
-            <a:schemeClr val="accent1"/>
-          </a:effectRef>
-          <a:fontRef idx="minor">
-            <a:schemeClr val="dk1"/>
-          </a:fontRef>
-        </p:style>
-        <p:txBody>
-          <a:bodyPr rtlCol="0" anchor="ctr"/>
-          <a:lstStyle/>
-          <a:p>
-            <a:pPr algn="ctr"/>
-            <a:r>
-              <a:rPr lang="ko-KR" altLang="en-US" sz="800" dirty="0" smtClean="0"/>
-              <a:t>지도</a:t>
-            </a:r>
-            <a:endParaRPr lang="ko-KR" altLang="en-US" sz="800" dirty="0"/>
-          </a:p>
-        </p:txBody>
-      </p:sp>
-      <p:cxnSp>
-        <p:nvCxnSpPr>
-          <p:cNvPr id="70" name="직선 화살표 연결선 69"/>
-          <p:cNvCxnSpPr/>
-          <p:nvPr/>
-        </p:nvCxnSpPr>
-        <p:spPr>
-          <a:xfrm flipH="1" flipV="1">
-            <a:off x="6464198" y="2581177"/>
-            <a:ext cx="995384" cy="607633"/>
-          </a:xfrm>
-          <a:prstGeom prst="straightConnector1">
-            <a:avLst/>
-          </a:prstGeom>
-          <a:ln>
-            <a:tailEnd type="triangle"/>
-          </a:ln>
-        </p:spPr>
-        <p:style>
-          <a:lnRef idx="3">
-            <a:schemeClr val="accent2"/>
-          </a:lnRef>
-          <a:fillRef idx="0">
-            <a:schemeClr val="accent2"/>
-          </a:fillRef>
-          <a:effectRef idx="2">
-            <a:schemeClr val="accent2"/>
-          </a:effectRef>
-          <a:fontRef idx="minor">
-            <a:schemeClr val="tx1"/>
-          </a:fontRef>
-        </p:style>
-      </p:cxnSp>
-      <p:sp>
-        <p:nvSpPr>
-          <p:cNvPr id="73" name="TextBox 72"/>
-          <p:cNvSpPr txBox="1"/>
-          <p:nvPr/>
-        </p:nvSpPr>
-        <p:spPr>
-          <a:xfrm>
-            <a:off x="5978602" y="2286319"/>
-            <a:ext cx="646331" cy="369332"/>
-          </a:xfrm>
-          <a:prstGeom prst="rect">
-            <a:avLst/>
-          </a:prstGeom>
-          <a:noFill/>
-        </p:spPr>
-        <p:txBody>
-          <a:bodyPr wrap="none" rtlCol="0">
-            <a:spAutoFit/>
-          </a:bodyPr>
-          <a:lstStyle/>
-          <a:p>
-            <a:r>
-              <a:rPr lang="ko-KR" altLang="en-US" dirty="0" smtClean="0"/>
-              <a:t>지도</a:t>
-            </a:r>
-            <a:endParaRPr lang="ko-KR" altLang="en-US" dirty="0"/>
-          </a:p>
-        </p:txBody>
-      </p:sp>
-      <p:sp>
-        <p:nvSpPr>
           <p:cNvPr id="74" name="타원 73"/>
           <p:cNvSpPr/>
           <p:nvPr/>
@@ -19921,6 +20307,90 @@
             <a:r>
               <a:rPr lang="ko-KR" altLang="en-US" smtClean="0"/>
               <a:t>다크모드</a:t>
+            </a:r>
+            <a:endParaRPr lang="ko-KR" altLang="en-US" dirty="0"/>
+          </a:p>
+        </p:txBody>
+      </p:sp>
+      <p:sp>
+        <p:nvSpPr>
+          <p:cNvPr id="10" name="모서리가 둥근 직사각형 9"/>
+          <p:cNvSpPr/>
+          <p:nvPr/>
+        </p:nvSpPr>
+        <p:spPr>
+          <a:xfrm>
+            <a:off x="10675527" y="2720441"/>
+            <a:ext cx="1280160" cy="1208880"/>
+          </a:xfrm>
+          <a:prstGeom prst="roundRect">
+            <a:avLst/>
+          </a:prstGeom>
+        </p:spPr>
+        <p:style>
+          <a:lnRef idx="2">
+            <a:schemeClr val="accent1"/>
+          </a:lnRef>
+          <a:fillRef idx="1">
+            <a:schemeClr val="lt1"/>
+          </a:fillRef>
+          <a:effectRef idx="0">
+            <a:schemeClr val="accent1"/>
+          </a:effectRef>
+          <a:fontRef idx="minor">
+            <a:schemeClr val="dk1"/>
+          </a:fontRef>
+        </p:style>
+        <p:txBody>
+          <a:bodyPr rtlCol="0" anchor="ctr"/>
+          <a:lstStyle/>
+          <a:p>
+            <a:pPr algn="ctr"/>
+            <a:r>
+              <a:rPr lang="ko-KR" altLang="en-US" dirty="0" smtClean="0"/>
+              <a:t>지도</a:t>
+            </a:r>
+            <a:endParaRPr lang="ko-KR" altLang="en-US" dirty="0"/>
+          </a:p>
+        </p:txBody>
+      </p:sp>
+      <p:sp>
+        <p:nvSpPr>
+          <p:cNvPr id="81" name="모서리가 둥근 직사각형 80"/>
+          <p:cNvSpPr/>
+          <p:nvPr/>
+        </p:nvSpPr>
+        <p:spPr>
+          <a:xfrm>
+            <a:off x="10643689" y="4124871"/>
+            <a:ext cx="1280160" cy="1208880"/>
+          </a:xfrm>
+          <a:prstGeom prst="roundRect">
+            <a:avLst/>
+          </a:prstGeom>
+        </p:spPr>
+        <p:style>
+          <a:lnRef idx="2">
+            <a:schemeClr val="accent1"/>
+          </a:lnRef>
+          <a:fillRef idx="1">
+            <a:schemeClr val="lt1"/>
+          </a:fillRef>
+          <a:effectRef idx="0">
+            <a:schemeClr val="accent1"/>
+          </a:effectRef>
+          <a:fontRef idx="minor">
+            <a:schemeClr val="dk1"/>
+          </a:fontRef>
+        </p:style>
+        <p:txBody>
+          <a:bodyPr rtlCol="0" anchor="ctr"/>
+          <a:lstStyle/>
+          <a:p>
+            <a:pPr algn="ctr"/>
+            <a:r>
+              <a:rPr lang="ko-KR" altLang="en-US" dirty="0" smtClean="0"/>
+              <a:t>달력</a:t>
             </a:r>
             <a:endParaRPr lang="ko-KR" altLang="en-US" dirty="0"/>
           </a:p>
@@ -19936,6 +20406,13 @@
   <p:clrMapOvr>
     <a:masterClrMapping/>
   </p:clrMapOvr>
+  <p:timing>
+    <p:tnLst>
+      <p:par>
+        <p:cTn id="1" dur="indefinite" restart="never" nodeType="tmRoot"/>
+      </p:par>
+    </p:tnLst>
+  </p:timing>
 </p:sld>
 </file>
 
@@ -22363,6 +22840,13 @@
   <p:clrMapOvr>
     <a:masterClrMapping/>
   </p:clrMapOvr>
+  <p:timing>
+    <p:tnLst>
+      <p:par>
+        <p:cTn id="1" dur="indefinite" restart="never" nodeType="tmRoot"/>
+      </p:par>
+    </p:tnLst>
+  </p:timing>
 </p:sld>
 </file>
 
@@ -25047,6 +25531,13 @@
   <p:clrMapOvr>
     <a:masterClrMapping/>
   </p:clrMapOvr>
+  <p:timing>
+    <p:tnLst>
+      <p:par>
+        <p:cTn id="1" dur="indefinite" restart="never" nodeType="tmRoot"/>
+      </p:par>
+    </p:tnLst>
+  </p:timing>
 </p:sld>
 </file>
 
@@ -27156,6 +27647,13 @@
   <p:clrMapOvr>
     <a:masterClrMapping/>
   </p:clrMapOvr>
+  <p:timing>
+    <p:tnLst>
+      <p:par>
+        <p:cTn id="1" dur="indefinite" restart="never" nodeType="tmRoot"/>
+      </p:par>
+    </p:tnLst>
+  </p:timing>
 </p:sld>
 </file>
 
@@ -29473,6 +29971,13 @@
   <p:clrMapOvr>
     <a:masterClrMapping/>
   </p:clrMapOvr>
+  <p:timing>
+    <p:tnLst>
+      <p:par>
+        <p:cTn id="1" dur="indefinite" restart="never" nodeType="tmRoot"/>
+      </p:par>
+    </p:tnLst>
+  </p:timing>
 </p:sld>
 </file>
 
@@ -29720,8 +30225,8 @@
         </p:nvSpPr>
         <p:spPr>
           <a:xfrm>
-            <a:off x="3868366" y="1941818"/>
-            <a:ext cx="4455268" cy="2087181"/>
+            <a:off x="3868367" y="1941818"/>
+            <a:ext cx="2233176" cy="2087181"/>
           </a:xfrm>
           <a:prstGeom prst="roundRect">
             <a:avLst/>
@@ -29747,20 +30252,12 @@
           <a:p>
             <a:pPr algn="ctr"/>
             <a:r>
+              <a:rPr lang="ko-KR" altLang="en-US" dirty="0" err="1" smtClean="0"/>
+              <a:t>썸네일</a:t>
+            </a:r>
+            <a:r>
               <a:rPr lang="ko-KR" altLang="en-US" dirty="0" smtClean="0"/>
-              <a:t>사진을 업로드 해주세요 </a:t>
-            </a:r>
-            <a:r>
-              <a:rPr lang="en-US" altLang="ko-KR" dirty="0" smtClean="0"/>
-              <a:t>(</a:t>
-            </a:r>
-            <a:r>
-              <a:rPr lang="ko-KR" altLang="en-US" dirty="0" smtClean="0"/>
-              <a:t>클릭</a:t>
-            </a:r>
-            <a:r>
-              <a:rPr lang="en-US" altLang="ko-KR" dirty="0" smtClean="0"/>
-              <a:t>)</a:t>
+              <a:t> 사진</a:t>
             </a:r>
             <a:endParaRPr lang="ko-KR" altLang="en-US" dirty="0"/>
           </a:p>
@@ -30559,6 +31056,60 @@
               <a:t>여행 날짜</a:t>
             </a:r>
             <a:endParaRPr lang="ko-KR" altLang="en-US"/>
+          </a:p>
+        </p:txBody>
+      </p:sp>
+      <p:sp>
+        <p:nvSpPr>
+          <p:cNvPr id="35" name="모서리가 둥근 직사각형 34"/>
+          <p:cNvSpPr/>
+          <p:nvPr/>
+        </p:nvSpPr>
+        <p:spPr>
+          <a:xfrm>
+            <a:off x="6346678" y="1953576"/>
+            <a:ext cx="2123991" cy="2087181"/>
+          </a:xfrm>
+          <a:prstGeom prst="roundRect">
+            <a:avLst/>
+          </a:prstGeom>
+        </p:spPr>
+        <p:style>
+          <a:lnRef idx="2">
+            <a:schemeClr val="accent1"/>
+          </a:lnRef>
+          <a:fillRef idx="1">
+            <a:schemeClr val="lt1"/>
+          </a:fillRef>
+          <a:effectRef idx="0">
+            <a:schemeClr val="accent1"/>
+          </a:effectRef>
+          <a:fontRef idx="minor">
+            <a:schemeClr val="dk1"/>
+          </a:fontRef>
+        </p:style>
+        <p:txBody>
+          <a:bodyPr rtlCol="0" anchor="ctr"/>
+          <a:lstStyle/>
+          <a:p>
+            <a:pPr algn="ctr"/>
+            <a:r>
+              <a:rPr lang="ko-KR" altLang="en-US" dirty="0" smtClean="0"/>
+              <a:t>사진을 업로드 해주세요 </a:t>
+            </a:r>
+            <a:r>
+              <a:rPr lang="en-US" altLang="ko-KR" dirty="0" smtClean="0"/>
+              <a:t>(</a:t>
+            </a:r>
+            <a:r>
+              <a:rPr lang="ko-KR" altLang="en-US" dirty="0" smtClean="0"/>
+              <a:t>클릭</a:t>
+            </a:r>
+            <a:r>
+              <a:rPr lang="en-US" altLang="ko-KR" dirty="0" smtClean="0"/>
+              <a:t>)</a:t>
+            </a:r>
+            <a:endParaRPr lang="ko-KR" altLang="en-US" dirty="0"/>
           </a:p>
         </p:txBody>
       </p:sp>
@@ -30572,6 +31123,13 @@
   <p:clrMapOvr>
     <a:masterClrMapping/>
   </p:clrMapOvr>
+  <p:timing>
+    <p:tnLst>
+      <p:par>
+        <p:cTn id="1" dur="indefinite" restart="never" nodeType="tmRoot"/>
+      </p:par>
+    </p:tnLst>
+  </p:timing>
 </p:sld>
 </file>
 
